--- a/Week8/Week_8.pptx
+++ b/Week8/Week_8.pptx
@@ -230,7 +230,7 @@
           <a:p>
             <a:fld id="{95C4CF2D-6872-4730-8D02-61A93A3F5357}" type="datetimeFigureOut">
               <a:rPr lang="en-GB" smtClean="0"/>
-              <a:t>31/01/2024</a:t>
+              <a:t>29/02/2024</a:t>
             </a:fld>
             <a:endParaRPr lang="en-GB"/>
           </a:p>
@@ -582,6 +582,93 @@
     <p:extLst>
       <p:ext uri="{BB962C8B-B14F-4D97-AF65-F5344CB8AC3E}">
         <p14:creationId xmlns:p14="http://schemas.microsoft.com/office/powerpoint/2010/main" val="3642944183"/>
+      </p:ext>
+    </p:extLst>
+  </p:cSld>
+  <p:clrMapOvr>
+    <a:masterClrMapping/>
+  </p:clrMapOvr>
+</p:notes>
+</file>
+
+<file path=ppt/notesSlides/notesSlide2.xml><?xml version="1.0" encoding="utf-8"?>
+<p:notes xmlns:a="http://schemas.openxmlformats.org/drawingml/2006/main" xmlns:r="http://schemas.openxmlformats.org/officeDocument/2006/relationships" xmlns:p="http://schemas.openxmlformats.org/presentationml/2006/main">
+  <p:cSld>
+    <p:spTree>
+      <p:nvGrpSpPr>
+        <p:cNvPr id="1" name=""/>
+        <p:cNvGrpSpPr/>
+        <p:nvPr/>
+      </p:nvGrpSpPr>
+      <p:grpSpPr>
+        <a:xfrm>
+          <a:off x="0" y="0"/>
+          <a:ext cx="0" cy="0"/>
+          <a:chOff x="0" y="0"/>
+          <a:chExt cx="0" cy="0"/>
+        </a:xfrm>
+      </p:grpSpPr>
+      <p:sp>
+        <p:nvSpPr>
+          <p:cNvPr id="2" name="Slide Image Placeholder 1"/>
+          <p:cNvSpPr>
+            <a:spLocks noGrp="1" noRot="1" noChangeAspect="1"/>
+          </p:cNvSpPr>
+          <p:nvPr>
+            <p:ph type="sldImg"/>
+          </p:nvPr>
+        </p:nvSpPr>
+        <p:spPr/>
+      </p:sp>
+      <p:sp>
+        <p:nvSpPr>
+          <p:cNvPr id="3" name="Notes Placeholder 2"/>
+          <p:cNvSpPr>
+            <a:spLocks noGrp="1"/>
+          </p:cNvSpPr>
+          <p:nvPr>
+            <p:ph type="body" idx="1"/>
+          </p:nvPr>
+        </p:nvSpPr>
+        <p:spPr/>
+        <p:txBody>
+          <a:bodyPr/>
+          <a:lstStyle/>
+          <a:p>
+            <a:r>
+              <a:rPr lang="en-GB" dirty="0"/>
+              <a:t>We talked about this in terms of noise last week</a:t>
+            </a:r>
+          </a:p>
+        </p:txBody>
+      </p:sp>
+      <p:sp>
+        <p:nvSpPr>
+          <p:cNvPr id="4" name="Slide Number Placeholder 3"/>
+          <p:cNvSpPr>
+            <a:spLocks noGrp="1"/>
+          </p:cNvSpPr>
+          <p:nvPr>
+            <p:ph type="sldNum" sz="quarter" idx="5"/>
+          </p:nvPr>
+        </p:nvSpPr>
+        <p:spPr/>
+        <p:txBody>
+          <a:bodyPr/>
+          <a:lstStyle/>
+          <a:p>
+            <a:fld id="{4D41465A-9B3D-44C4-BECD-74054302E1AD}" type="slidenum">
+              <a:rPr lang="en-GB" smtClean="0"/>
+              <a:t>23</a:t>
+            </a:fld>
+            <a:endParaRPr lang="en-GB"/>
+          </a:p>
+        </p:txBody>
+      </p:sp>
+    </p:spTree>
+    <p:extLst>
+      <p:ext uri="{BB962C8B-B14F-4D97-AF65-F5344CB8AC3E}">
+        <p14:creationId xmlns:p14="http://schemas.microsoft.com/office/powerpoint/2010/main" val="938848296"/>
       </p:ext>
     </p:extLst>
   </p:cSld>
@@ -4618,7 +4705,7 @@
           <a:p>
             <a:r>
               <a:rPr lang="en-GB" dirty="0"/>
-              <a:t>E.g., comparing the mean IQ of a group against the population norm of 100</a:t>
+              <a:t>E.g., comparing the mean IQ of a group against the expected population norm of 100</a:t>
             </a:r>
           </a:p>
         </p:txBody>
@@ -5517,9 +5604,6 @@
           <a:p>
             <a:r>
               <a:rPr lang="en-GB" b="0" i="0" dirty="0">
-                <a:solidFill>
-                  <a:srgbClr val="4A4C4D"/>
-                </a:solidFill>
                 <a:effectLst/>
                 <a:latin typeface="InterFace"/>
               </a:rPr>
@@ -5529,18 +5613,12 @@
           <a:p>
             <a:r>
               <a:rPr lang="en-GB" dirty="0">
-                <a:solidFill>
-                  <a:srgbClr val="4A4C4D"/>
-                </a:solidFill>
                 <a:latin typeface="InterFace"/>
               </a:rPr>
               <a:t>Recall that </a:t>
             </a:r>
             <a:r>
               <a:rPr lang="en-GB" b="0" i="0" dirty="0">
-                <a:solidFill>
-                  <a:srgbClr val="202124"/>
-                </a:solidFill>
                 <a:effectLst/>
                 <a:latin typeface="Google Sans"/>
               </a:rPr>
@@ -5548,9 +5626,6 @@
             </a:r>
             <a:r>
               <a:rPr lang="en-GB" dirty="0">
-                <a:solidFill>
-                  <a:srgbClr val="4A4C4D"/>
-                </a:solidFill>
                 <a:latin typeface="InterFace"/>
               </a:rPr>
               <a:t>2 SDs contains 95% of our observations</a:t>
@@ -5559,30 +5634,34 @@
           <a:p>
             <a:r>
               <a:rPr lang="en-GB" dirty="0">
-                <a:solidFill>
-                  <a:srgbClr val="4A4C4D"/>
-                </a:solidFill>
                 <a:latin typeface="InterFace"/>
               </a:rPr>
               <a:t>Offer an upper and lower bound that contains the </a:t>
             </a:r>
             <a:r>
               <a:rPr lang="en-GB" i="1" dirty="0">
-                <a:solidFill>
-                  <a:srgbClr val="4A4C4D"/>
-                </a:solidFill>
                 <a:latin typeface="InterFace"/>
               </a:rPr>
               <a:t>true</a:t>
             </a:r>
             <a:r>
               <a:rPr lang="en-GB" dirty="0">
-                <a:solidFill>
-                  <a:srgbClr val="4A4C4D"/>
-                </a:solidFill>
                 <a:latin typeface="InterFace"/>
               </a:rPr>
               <a:t> mean 95% of the time</a:t>
+            </a:r>
+          </a:p>
+          <a:p>
+            <a:endParaRPr lang="en-GB" dirty="0">
+              <a:latin typeface="InterFace"/>
+            </a:endParaRPr>
+          </a:p>
+          <a:p>
+            <a:r>
+              <a:rPr lang="en-GB" dirty="0">
+                <a:latin typeface="InterFace"/>
+              </a:rPr>
+              <a:t>Why not 100% confidence? Because we are talking on probabilities</a:t>
             </a:r>
           </a:p>
         </p:txBody>
@@ -7626,42 +7705,6 @@
           </a:p>
         </p:txBody>
       </p:sp>
-      <p:pic>
-        <p:nvPicPr>
-          <p:cNvPr id="5" name="Picture 4" descr="A graph with red lines and black text&#10;&#10;Description automatically generated">
-            <a:extLst>
-              <a:ext uri="{FF2B5EF4-FFF2-40B4-BE49-F238E27FC236}">
-                <a16:creationId xmlns:a16="http://schemas.microsoft.com/office/drawing/2014/main" id="{C65FC287-38D3-FCCB-CFC2-BAD257E621C9}"/>
-              </a:ext>
-            </a:extLst>
-          </p:cNvPr>
-          <p:cNvPicPr>
-            <a:picLocks noChangeAspect="1"/>
-          </p:cNvPicPr>
-          <p:nvPr/>
-        </p:nvPicPr>
-        <p:blipFill>
-          <a:blip r:embed="rId2">
-            <a:extLst>
-              <a:ext uri="{28A0092B-C50C-407E-A947-70E740481C1C}">
-                <a14:useLocalDpi xmlns:a14="http://schemas.microsoft.com/office/drawing/2010/main" val="0"/>
-              </a:ext>
-            </a:extLst>
-          </a:blip>
-          <a:stretch>
-            <a:fillRect/>
-          </a:stretch>
-        </p:blipFill>
-        <p:spPr>
-          <a:xfrm>
-            <a:off x="527051" y="1844676"/>
-            <a:ext cx="6851681" cy="4464644"/>
-          </a:xfrm>
-          <a:prstGeom prst="rect">
-            <a:avLst/>
-          </a:prstGeom>
-        </p:spPr>
-      </p:pic>
       <p:sp>
         <p:nvSpPr>
           <p:cNvPr id="6" name="TextBox 5">
